--- a/Demo.pptx
+++ b/Demo.pptx
@@ -265,7 +265,7 @@
           <a:p>
             <a:fld id="{1E821AA6-70BE-4FDE-A8DC-DB381A688FD8}" type="datetimeFigureOut">
               <a:rPr lang="en-US"/>
-              <a:t>8/29/17</a:t>
+              <a:t>8/31/17</a:t>
             </a:fld>
             <a:endParaRPr/>
           </a:p>
@@ -46071,6 +46071,13 @@
       </p:transition>
     </mc:Fallback>
   </mc:AlternateContent>
+  <p:timing>
+    <p:tnLst>
+      <p:par>
+        <p:cTn id="1" dur="indefinite" restart="never" nodeType="tmRoot"/>
+      </p:par>
+    </p:tnLst>
+  </p:timing>
 </p:sld>
 </file>
 
@@ -46347,11 +46354,7 @@
           <a:p>
             <a:r>
               <a:rPr lang="en-US" dirty="0" smtClean="0"/>
-              <a:t>ARM Template </a:t>
-            </a:r>
-            <a:r>
-              <a:rPr lang="en-US" dirty="0" smtClean="0"/>
-              <a:t>location</a:t>
+              <a:t>ARM Template location</a:t>
             </a:r>
           </a:p>
           <a:p>
@@ -46610,6 +46613,37 @@
           </a:p>
         </p:txBody>
       </p:sp>
+      <p:sp>
+        <p:nvSpPr>
+          <p:cNvPr id="5" name="TextBox 4"/>
+          <p:cNvSpPr txBox="1"/>
+          <p:nvPr/>
+        </p:nvSpPr>
+        <p:spPr>
+          <a:xfrm>
+            <a:off x="2064327" y="1801091"/>
+            <a:ext cx="914400" cy="914400"/>
+          </a:xfrm>
+          <a:prstGeom prst="rect">
+            <a:avLst/>
+          </a:prstGeom>
+          <a:noFill/>
+        </p:spPr>
+        <p:txBody>
+          <a:bodyPr wrap="none" lIns="0" tIns="0" rIns="0" bIns="0" rtlCol="0">
+            <a:noAutofit/>
+          </a:bodyPr>
+          <a:lstStyle/>
+          <a:p>
+            <a:pPr>
+              <a:lnSpc>
+                <a:spcPct val="90000"/>
+              </a:lnSpc>
+            </a:pPr>
+            <a:endParaRPr lang="en-US" dirty="0"/>
+          </a:p>
+        </p:txBody>
+      </p:sp>
     </p:spTree>
     <p:extLst>
       <p:ext uri="{BB962C8B-B14F-4D97-AF65-F5344CB8AC3E}">
@@ -46632,6 +46666,13 @@
       </p:transition>
     </mc:Fallback>
   </mc:AlternateContent>
+  <p:timing>
+    <p:tnLst>
+      <p:par>
+        <p:cTn id="1" dur="indefinite" restart="never" nodeType="tmRoot"/>
+      </p:par>
+    </p:tnLst>
+  </p:timing>
 </p:sld>
 </file>
 
@@ -47162,6 +47203,13 @@
       </p:transition>
     </mc:Fallback>
   </mc:AlternateContent>
+  <p:timing>
+    <p:tnLst>
+      <p:par>
+        <p:cTn id="1" dur="indefinite" restart="never" nodeType="tmRoot"/>
+      </p:par>
+    </p:tnLst>
+  </p:timing>
 </p:sld>
 </file>
 
@@ -47523,7 +47571,7 @@
         </p:blipFill>
         <p:spPr>
           <a:xfrm>
-            <a:off x="3305918" y="3124200"/>
+            <a:off x="3305918" y="3254766"/>
             <a:ext cx="5562600" cy="3067479"/>
           </a:xfrm>
           <a:prstGeom prst="rect">
@@ -47641,25 +47689,13 @@
           <a:p>
             <a:r>
               <a:rPr lang="en-US" b="0" dirty="0" smtClean="0"/>
-              <a:t>Ran tests as part of a Test Task in VSTS Release Definition</a:t>
-            </a:r>
-          </a:p>
-          <a:p>
-            <a:r>
-              <a:rPr lang="en-US" dirty="0" smtClean="0"/>
-              <a:t>Side Note</a:t>
-            </a:r>
-          </a:p>
-          <a:p>
-            <a:pPr lvl="1"/>
-            <a:r>
-              <a:rPr lang="en-US" dirty="0" err="1" smtClean="0"/>
-              <a:t>Jmeter</a:t>
+              <a:t>Ran tests as part of a Test Task in VSTS Release </a:t>
             </a:r>
             <a:r>
-              <a:rPr lang="en-US" dirty="0" smtClean="0"/>
-              <a:t> can test all kinds of software but VSTS currently can only support HTTP requests (as of early July)</a:t>
+              <a:rPr lang="en-US" b="0" dirty="0" smtClean="0"/>
+              <a:t>Definition</a:t>
             </a:r>
+            <a:endParaRPr lang="en-US" b="0" dirty="0" smtClean="0"/>
           </a:p>
         </p:txBody>
       </p:sp>
@@ -48287,6 +48323,13 @@
       </p:transition>
     </mc:Fallback>
   </mc:AlternateContent>
+  <p:timing>
+    <p:tnLst>
+      <p:par>
+        <p:cTn id="1" dur="indefinite" restart="never" nodeType="tmRoot"/>
+      </p:par>
+    </p:tnLst>
+  </p:timing>
 </p:sld>
 </file>
 
